--- a/content/posts/projektstart-bring-your-own-device/organisation.pptx
+++ b/content/posts/projektstart-bring-your-own-device/organisation.pptx
@@ -261,7 +261,7 @@
           <a:p>
             <a:fld id="{483788EA-521B-401F-866B-9417E070515E}" type="datetimeFigureOut">
               <a:rPr lang="de-CH" smtClean="0"/>
-              <a:t>18.01.2019</a:t>
+              <a:t>20.01.2019</a:t>
             </a:fld>
             <a:endParaRPr lang="de-CH"/>
           </a:p>
@@ -461,7 +461,7 @@
           <a:p>
             <a:fld id="{483788EA-521B-401F-866B-9417E070515E}" type="datetimeFigureOut">
               <a:rPr lang="de-CH" smtClean="0"/>
-              <a:t>18.01.2019</a:t>
+              <a:t>20.01.2019</a:t>
             </a:fld>
             <a:endParaRPr lang="de-CH"/>
           </a:p>
@@ -671,7 +671,7 @@
           <a:p>
             <a:fld id="{483788EA-521B-401F-866B-9417E070515E}" type="datetimeFigureOut">
               <a:rPr lang="de-CH" smtClean="0"/>
-              <a:t>18.01.2019</a:t>
+              <a:t>20.01.2019</a:t>
             </a:fld>
             <a:endParaRPr lang="de-CH"/>
           </a:p>
@@ -871,7 +871,7 @@
           <a:p>
             <a:fld id="{483788EA-521B-401F-866B-9417E070515E}" type="datetimeFigureOut">
               <a:rPr lang="de-CH" smtClean="0"/>
-              <a:t>18.01.2019</a:t>
+              <a:t>20.01.2019</a:t>
             </a:fld>
             <a:endParaRPr lang="de-CH"/>
           </a:p>
@@ -1147,7 +1147,7 @@
           <a:p>
             <a:fld id="{483788EA-521B-401F-866B-9417E070515E}" type="datetimeFigureOut">
               <a:rPr lang="de-CH" smtClean="0"/>
-              <a:t>18.01.2019</a:t>
+              <a:t>20.01.2019</a:t>
             </a:fld>
             <a:endParaRPr lang="de-CH"/>
           </a:p>
@@ -1415,7 +1415,7 @@
           <a:p>
             <a:fld id="{483788EA-521B-401F-866B-9417E070515E}" type="datetimeFigureOut">
               <a:rPr lang="de-CH" smtClean="0"/>
-              <a:t>18.01.2019</a:t>
+              <a:t>20.01.2019</a:t>
             </a:fld>
             <a:endParaRPr lang="de-CH"/>
           </a:p>
@@ -1830,7 +1830,7 @@
           <a:p>
             <a:fld id="{483788EA-521B-401F-866B-9417E070515E}" type="datetimeFigureOut">
               <a:rPr lang="de-CH" smtClean="0"/>
-              <a:t>18.01.2019</a:t>
+              <a:t>20.01.2019</a:t>
             </a:fld>
             <a:endParaRPr lang="de-CH"/>
           </a:p>
@@ -1972,7 +1972,7 @@
           <a:p>
             <a:fld id="{483788EA-521B-401F-866B-9417E070515E}" type="datetimeFigureOut">
               <a:rPr lang="de-CH" smtClean="0"/>
-              <a:t>18.01.2019</a:t>
+              <a:t>20.01.2019</a:t>
             </a:fld>
             <a:endParaRPr lang="de-CH"/>
           </a:p>
@@ -2085,7 +2085,7 @@
           <a:p>
             <a:fld id="{483788EA-521B-401F-866B-9417E070515E}" type="datetimeFigureOut">
               <a:rPr lang="de-CH" smtClean="0"/>
-              <a:t>18.01.2019</a:t>
+              <a:t>20.01.2019</a:t>
             </a:fld>
             <a:endParaRPr lang="de-CH"/>
           </a:p>
@@ -2398,7 +2398,7 @@
           <a:p>
             <a:fld id="{483788EA-521B-401F-866B-9417E070515E}" type="datetimeFigureOut">
               <a:rPr lang="de-CH" smtClean="0"/>
-              <a:t>18.01.2019</a:t>
+              <a:t>20.01.2019</a:t>
             </a:fld>
             <a:endParaRPr lang="de-CH"/>
           </a:p>
@@ -2687,7 +2687,7 @@
           <a:p>
             <a:fld id="{483788EA-521B-401F-866B-9417E070515E}" type="datetimeFigureOut">
               <a:rPr lang="de-CH" smtClean="0"/>
-              <a:t>18.01.2019</a:t>
+              <a:t>20.01.2019</a:t>
             </a:fld>
             <a:endParaRPr lang="de-CH"/>
           </a:p>
@@ -2930,7 +2930,7 @@
           <a:p>
             <a:fld id="{483788EA-521B-401F-866B-9417E070515E}" type="datetimeFigureOut">
               <a:rPr lang="de-CH" smtClean="0"/>
-              <a:t>18.01.2019</a:t>
+              <a:t>20.01.2019</a:t>
             </a:fld>
             <a:endParaRPr lang="de-CH"/>
           </a:p>
@@ -3529,7 +3529,7 @@
         </p:nvSpPr>
         <p:spPr>
           <a:xfrm>
-            <a:off x="1559052" y="2077974"/>
+            <a:off x="1721358" y="1948816"/>
             <a:ext cx="1005840" cy="457200"/>
           </a:xfrm>
           <a:prstGeom prst="rect">
@@ -3647,7 +3647,7 @@
         </p:nvSpPr>
         <p:spPr>
           <a:xfrm>
-            <a:off x="2165604" y="2743200"/>
+            <a:off x="2497074" y="2715769"/>
             <a:ext cx="1522476" cy="457200"/>
           </a:xfrm>
           <a:prstGeom prst="rect">
@@ -3704,7 +3704,7 @@
         </p:nvSpPr>
         <p:spPr>
           <a:xfrm>
-            <a:off x="974598" y="3991356"/>
+            <a:off x="960120" y="4137660"/>
             <a:ext cx="1522476" cy="457200"/>
           </a:xfrm>
           <a:prstGeom prst="rect">
@@ -3761,7 +3761,7 @@
         </p:nvSpPr>
         <p:spPr>
           <a:xfrm>
-            <a:off x="2142744" y="3639313"/>
+            <a:off x="2211324" y="3639312"/>
             <a:ext cx="1522476" cy="457200"/>
           </a:xfrm>
           <a:prstGeom prst="rect">
@@ -4159,6 +4159,348 @@
             <a:r>
               <a:rPr lang="de-CH" sz="2800" dirty="0"/>
               <a:t> digital</a:t>
+            </a:r>
+          </a:p>
+        </p:txBody>
+      </p:sp>
+      <p:sp>
+        <p:nvSpPr>
+          <p:cNvPr id="18" name="Rechteck 17">
+            <a:extLst>
+              <a:ext uri="{FF2B5EF4-FFF2-40B4-BE49-F238E27FC236}">
+                <a16:creationId xmlns:a16="http://schemas.microsoft.com/office/drawing/2014/main" id="{7A223FE2-90B6-45FD-82CA-DDEE17ABF141}"/>
+              </a:ext>
+            </a:extLst>
+          </p:cNvPr>
+          <p:cNvSpPr/>
+          <p:nvPr/>
+        </p:nvSpPr>
+        <p:spPr>
+          <a:xfrm>
+            <a:off x="9262872" y="1811655"/>
+            <a:ext cx="1005840" cy="457200"/>
+          </a:xfrm>
+          <a:prstGeom prst="rect">
+            <a:avLst/>
+          </a:prstGeom>
+          <a:ln>
+            <a:noFill/>
+          </a:ln>
+        </p:spPr>
+        <p:style>
+          <a:lnRef idx="2">
+            <a:schemeClr val="dk1"/>
+          </a:lnRef>
+          <a:fillRef idx="1">
+            <a:schemeClr val="lt1"/>
+          </a:fillRef>
+          <a:effectRef idx="0">
+            <a:schemeClr val="dk1"/>
+          </a:effectRef>
+          <a:fontRef idx="minor">
+            <a:schemeClr val="dk1"/>
+          </a:fontRef>
+        </p:style>
+        <p:txBody>
+          <a:bodyPr rtlCol="0" anchor="ctr"/>
+          <a:lstStyle/>
+          <a:p>
+            <a:pPr algn="ctr"/>
+            <a:r>
+              <a:rPr lang="de-CH" sz="1400" dirty="0"/>
+              <a:t>Sibylle P.</a:t>
+            </a:r>
+            <a:br>
+              <a:rPr lang="de-CH" sz="1400" dirty="0"/>
+            </a:br>
+            <a:r>
+              <a:rPr lang="de-CH" sz="1400" dirty="0"/>
+              <a:t>(IT)</a:t>
+            </a:r>
+          </a:p>
+        </p:txBody>
+      </p:sp>
+      <p:sp>
+        <p:nvSpPr>
+          <p:cNvPr id="20" name="Rechteck 19">
+            <a:extLst>
+              <a:ext uri="{FF2B5EF4-FFF2-40B4-BE49-F238E27FC236}">
+                <a16:creationId xmlns:a16="http://schemas.microsoft.com/office/drawing/2014/main" id="{38A55E11-B34C-4191-8EB6-9F4236C92110}"/>
+              </a:ext>
+            </a:extLst>
+          </p:cNvPr>
+          <p:cNvSpPr/>
+          <p:nvPr/>
+        </p:nvSpPr>
+        <p:spPr>
+          <a:xfrm>
+            <a:off x="9355210" y="2811208"/>
+            <a:ext cx="1005840" cy="457200"/>
+          </a:xfrm>
+          <a:prstGeom prst="rect">
+            <a:avLst/>
+          </a:prstGeom>
+          <a:ln>
+            <a:noFill/>
+          </a:ln>
+        </p:spPr>
+        <p:style>
+          <a:lnRef idx="2">
+            <a:schemeClr val="dk1"/>
+          </a:lnRef>
+          <a:fillRef idx="1">
+            <a:schemeClr val="lt1"/>
+          </a:fillRef>
+          <a:effectRef idx="0">
+            <a:schemeClr val="dk1"/>
+          </a:effectRef>
+          <a:fontRef idx="minor">
+            <a:schemeClr val="dk1"/>
+          </a:fontRef>
+        </p:style>
+        <p:txBody>
+          <a:bodyPr rtlCol="0" anchor="ctr"/>
+          <a:lstStyle/>
+          <a:p>
+            <a:pPr algn="ctr"/>
+            <a:r>
+              <a:rPr lang="de-CH" sz="1400" dirty="0"/>
+              <a:t>Roland D.</a:t>
+            </a:r>
+            <a:br>
+              <a:rPr lang="de-CH" sz="1400" dirty="0"/>
+            </a:br>
+            <a:r>
+              <a:rPr lang="de-CH" sz="1400" dirty="0"/>
+              <a:t>(IMS)</a:t>
+            </a:r>
+          </a:p>
+        </p:txBody>
+      </p:sp>
+      <p:sp>
+        <p:nvSpPr>
+          <p:cNvPr id="21" name="Rechteck 20">
+            <a:extLst>
+              <a:ext uri="{FF2B5EF4-FFF2-40B4-BE49-F238E27FC236}">
+                <a16:creationId xmlns:a16="http://schemas.microsoft.com/office/drawing/2014/main" id="{FB5250AD-92F8-4012-B329-7AD525C31466}"/>
+              </a:ext>
+            </a:extLst>
+          </p:cNvPr>
+          <p:cNvSpPr/>
+          <p:nvPr/>
+        </p:nvSpPr>
+        <p:spPr>
+          <a:xfrm>
+            <a:off x="10497312" y="3268408"/>
+            <a:ext cx="1005840" cy="457200"/>
+          </a:xfrm>
+          <a:prstGeom prst="rect">
+            <a:avLst/>
+          </a:prstGeom>
+          <a:ln>
+            <a:noFill/>
+          </a:ln>
+        </p:spPr>
+        <p:style>
+          <a:lnRef idx="2">
+            <a:schemeClr val="dk1"/>
+          </a:lnRef>
+          <a:fillRef idx="1">
+            <a:schemeClr val="lt1"/>
+          </a:fillRef>
+          <a:effectRef idx="0">
+            <a:schemeClr val="dk1"/>
+          </a:effectRef>
+          <a:fontRef idx="minor">
+            <a:schemeClr val="dk1"/>
+          </a:fontRef>
+        </p:style>
+        <p:txBody>
+          <a:bodyPr rtlCol="0" anchor="ctr"/>
+          <a:lstStyle/>
+          <a:p>
+            <a:pPr algn="ctr"/>
+            <a:r>
+              <a:rPr lang="de-CH" sz="1400" dirty="0"/>
+              <a:t>Yvonne W.</a:t>
+            </a:r>
+            <a:br>
+              <a:rPr lang="de-CH" sz="1400" dirty="0"/>
+            </a:br>
+            <a:r>
+              <a:rPr lang="de-CH" sz="1400" dirty="0"/>
+              <a:t>(KBS)</a:t>
+            </a:r>
+          </a:p>
+        </p:txBody>
+      </p:sp>
+      <p:sp>
+        <p:nvSpPr>
+          <p:cNvPr id="22" name="Rechteck 21">
+            <a:extLst>
+              <a:ext uri="{FF2B5EF4-FFF2-40B4-BE49-F238E27FC236}">
+                <a16:creationId xmlns:a16="http://schemas.microsoft.com/office/drawing/2014/main" id="{C57A1E55-4D47-453F-A884-204DA71572EE}"/>
+              </a:ext>
+            </a:extLst>
+          </p:cNvPr>
+          <p:cNvSpPr/>
+          <p:nvPr/>
+        </p:nvSpPr>
+        <p:spPr>
+          <a:xfrm>
+            <a:off x="8510015" y="3913632"/>
+            <a:ext cx="1005840" cy="457200"/>
+          </a:xfrm>
+          <a:prstGeom prst="rect">
+            <a:avLst/>
+          </a:prstGeom>
+          <a:ln>
+            <a:noFill/>
+          </a:ln>
+        </p:spPr>
+        <p:style>
+          <a:lnRef idx="2">
+            <a:schemeClr val="dk1"/>
+          </a:lnRef>
+          <a:fillRef idx="1">
+            <a:schemeClr val="lt1"/>
+          </a:fillRef>
+          <a:effectRef idx="0">
+            <a:schemeClr val="dk1"/>
+          </a:effectRef>
+          <a:fontRef idx="minor">
+            <a:schemeClr val="dk1"/>
+          </a:fontRef>
+        </p:style>
+        <p:txBody>
+          <a:bodyPr rtlCol="0" anchor="ctr"/>
+          <a:lstStyle/>
+          <a:p>
+            <a:pPr algn="ctr"/>
+            <a:r>
+              <a:rPr lang="de-CH" sz="1400" dirty="0"/>
+              <a:t>Yves S.</a:t>
+            </a:r>
+            <a:br>
+              <a:rPr lang="de-CH" sz="1400" dirty="0"/>
+            </a:br>
+            <a:r>
+              <a:rPr lang="de-CH" sz="1400" dirty="0"/>
+              <a:t>(KBS)</a:t>
+            </a:r>
+          </a:p>
+        </p:txBody>
+      </p:sp>
+      <p:sp>
+        <p:nvSpPr>
+          <p:cNvPr id="23" name="Rechteck 22">
+            <a:extLst>
+              <a:ext uri="{FF2B5EF4-FFF2-40B4-BE49-F238E27FC236}">
+                <a16:creationId xmlns:a16="http://schemas.microsoft.com/office/drawing/2014/main" id="{45EEA7A7-DFBD-410D-9F83-1FF2FC33D163}"/>
+              </a:ext>
+            </a:extLst>
+          </p:cNvPr>
+          <p:cNvSpPr/>
+          <p:nvPr/>
+        </p:nvSpPr>
+        <p:spPr>
+          <a:xfrm>
+            <a:off x="9948672" y="4267962"/>
+            <a:ext cx="1005840" cy="457200"/>
+          </a:xfrm>
+          <a:prstGeom prst="rect">
+            <a:avLst/>
+          </a:prstGeom>
+          <a:ln>
+            <a:noFill/>
+          </a:ln>
+        </p:spPr>
+        <p:style>
+          <a:lnRef idx="2">
+            <a:schemeClr val="dk1"/>
+          </a:lnRef>
+          <a:fillRef idx="1">
+            <a:schemeClr val="lt1"/>
+          </a:fillRef>
+          <a:effectRef idx="0">
+            <a:schemeClr val="dk1"/>
+          </a:effectRef>
+          <a:fontRef idx="minor">
+            <a:schemeClr val="dk1"/>
+          </a:fontRef>
+        </p:style>
+        <p:txBody>
+          <a:bodyPr rtlCol="0" anchor="ctr"/>
+          <a:lstStyle/>
+          <a:p>
+            <a:pPr algn="ctr"/>
+            <a:r>
+              <a:rPr lang="de-CH" sz="1400" dirty="0"/>
+              <a:t>Tatjana C.</a:t>
+            </a:r>
+            <a:br>
+              <a:rPr lang="de-CH" sz="1400" dirty="0"/>
+            </a:br>
+            <a:r>
+              <a:rPr lang="de-CH" sz="1400" dirty="0"/>
+              <a:t>(WMB)</a:t>
+            </a:r>
+          </a:p>
+        </p:txBody>
+      </p:sp>
+      <p:sp>
+        <p:nvSpPr>
+          <p:cNvPr id="24" name="Rechteck 23">
+            <a:extLst>
+              <a:ext uri="{FF2B5EF4-FFF2-40B4-BE49-F238E27FC236}">
+                <a16:creationId xmlns:a16="http://schemas.microsoft.com/office/drawing/2014/main" id="{6FEB7171-0F59-4CC5-BB0B-372CA3BE5CEE}"/>
+              </a:ext>
+            </a:extLst>
+          </p:cNvPr>
+          <p:cNvSpPr/>
+          <p:nvPr/>
+        </p:nvSpPr>
+        <p:spPr>
+          <a:xfrm>
+            <a:off x="7891272" y="2880360"/>
+            <a:ext cx="1005840" cy="457200"/>
+          </a:xfrm>
+          <a:prstGeom prst="rect">
+            <a:avLst/>
+          </a:prstGeom>
+          <a:ln>
+            <a:noFill/>
+          </a:ln>
+        </p:spPr>
+        <p:style>
+          <a:lnRef idx="2">
+            <a:schemeClr val="dk1"/>
+          </a:lnRef>
+          <a:fillRef idx="1">
+            <a:schemeClr val="lt1"/>
+          </a:fillRef>
+          <a:effectRef idx="0">
+            <a:schemeClr val="dk1"/>
+          </a:effectRef>
+          <a:fontRef idx="minor">
+            <a:schemeClr val="dk1"/>
+          </a:fontRef>
+        </p:style>
+        <p:txBody>
+          <a:bodyPr rtlCol="0" anchor="ctr"/>
+          <a:lstStyle/>
+          <a:p>
+            <a:pPr algn="ctr"/>
+            <a:r>
+              <a:rPr lang="de-CH" sz="1400" dirty="0"/>
+              <a:t>Barbara W.</a:t>
+            </a:r>
+            <a:br>
+              <a:rPr lang="de-CH" sz="1400" dirty="0"/>
+            </a:br>
+            <a:r>
+              <a:rPr lang="de-CH" sz="1400" dirty="0"/>
+              <a:t>(WMB)</a:t>
             </a:r>
           </a:p>
         </p:txBody>
